--- a/Screenshots.pptx
+++ b/Screenshots.pptx
@@ -7,6 +7,7 @@
   <p:sldIdLst>
     <p:sldId id="256" r:id="rId2"/>
     <p:sldId id="257" r:id="rId3"/>
+    <p:sldId id="258" r:id="rId4"/>
   </p:sldIdLst>
   <p:sldSz cx="9144000" cy="6858000" type="screen4x3"/>
   <p:notesSz cx="6858000" cy="9144000"/>
@@ -290,7 +291,7 @@
             <a:fld id="{1D8BD707-D9CF-40AE-B4C6-C98DA3205C09}" type="datetimeFigureOut">
               <a:rPr lang="en-US" smtClean="0"/>
               <a:pPr/>
-              <a:t>7/28/2020</a:t>
+              <a:t>7/29/2020</a:t>
             </a:fld>
             <a:endParaRPr lang="en-US"/>
           </a:p>
@@ -457,7 +458,7 @@
             <a:fld id="{1D8BD707-D9CF-40AE-B4C6-C98DA3205C09}" type="datetimeFigureOut">
               <a:rPr lang="en-US" smtClean="0"/>
               <a:pPr/>
-              <a:t>7/28/2020</a:t>
+              <a:t>7/29/2020</a:t>
             </a:fld>
             <a:endParaRPr lang="en-US"/>
           </a:p>
@@ -634,7 +635,7 @@
             <a:fld id="{1D8BD707-D9CF-40AE-B4C6-C98DA3205C09}" type="datetimeFigureOut">
               <a:rPr lang="en-US" smtClean="0"/>
               <a:pPr/>
-              <a:t>7/28/2020</a:t>
+              <a:t>7/29/2020</a:t>
             </a:fld>
             <a:endParaRPr lang="en-US"/>
           </a:p>
@@ -801,7 +802,7 @@
             <a:fld id="{1D8BD707-D9CF-40AE-B4C6-C98DA3205C09}" type="datetimeFigureOut">
               <a:rPr lang="en-US" smtClean="0"/>
               <a:pPr/>
-              <a:t>7/28/2020</a:t>
+              <a:t>7/29/2020</a:t>
             </a:fld>
             <a:endParaRPr lang="en-US"/>
           </a:p>
@@ -1044,7 +1045,7 @@
             <a:fld id="{1D8BD707-D9CF-40AE-B4C6-C98DA3205C09}" type="datetimeFigureOut">
               <a:rPr lang="en-US" smtClean="0"/>
               <a:pPr/>
-              <a:t>7/28/2020</a:t>
+              <a:t>7/29/2020</a:t>
             </a:fld>
             <a:endParaRPr lang="en-US"/>
           </a:p>
@@ -1329,7 +1330,7 @@
             <a:fld id="{1D8BD707-D9CF-40AE-B4C6-C98DA3205C09}" type="datetimeFigureOut">
               <a:rPr lang="en-US" smtClean="0"/>
               <a:pPr/>
-              <a:t>7/28/2020</a:t>
+              <a:t>7/29/2020</a:t>
             </a:fld>
             <a:endParaRPr lang="en-US"/>
           </a:p>
@@ -1748,7 +1749,7 @@
             <a:fld id="{1D8BD707-D9CF-40AE-B4C6-C98DA3205C09}" type="datetimeFigureOut">
               <a:rPr lang="en-US" smtClean="0"/>
               <a:pPr/>
-              <a:t>7/28/2020</a:t>
+              <a:t>7/29/2020</a:t>
             </a:fld>
             <a:endParaRPr lang="en-US"/>
           </a:p>
@@ -1863,7 +1864,7 @@
             <a:fld id="{1D8BD707-D9CF-40AE-B4C6-C98DA3205C09}" type="datetimeFigureOut">
               <a:rPr lang="en-US" smtClean="0"/>
               <a:pPr/>
-              <a:t>7/28/2020</a:t>
+              <a:t>7/29/2020</a:t>
             </a:fld>
             <a:endParaRPr lang="en-US"/>
           </a:p>
@@ -1955,7 +1956,7 @@
             <a:fld id="{1D8BD707-D9CF-40AE-B4C6-C98DA3205C09}" type="datetimeFigureOut">
               <a:rPr lang="en-US" smtClean="0"/>
               <a:pPr/>
-              <a:t>7/28/2020</a:t>
+              <a:t>7/29/2020</a:t>
             </a:fld>
             <a:endParaRPr lang="en-US"/>
           </a:p>
@@ -2229,7 +2230,7 @@
             <a:fld id="{1D8BD707-D9CF-40AE-B4C6-C98DA3205C09}" type="datetimeFigureOut">
               <a:rPr lang="en-US" smtClean="0"/>
               <a:pPr/>
-              <a:t>7/28/2020</a:t>
+              <a:t>7/29/2020</a:t>
             </a:fld>
             <a:endParaRPr lang="en-US"/>
           </a:p>
@@ -2479,7 +2480,7 @@
             <a:fld id="{1D8BD707-D9CF-40AE-B4C6-C98DA3205C09}" type="datetimeFigureOut">
               <a:rPr lang="en-US" smtClean="0"/>
               <a:pPr/>
-              <a:t>7/28/2020</a:t>
+              <a:t>7/29/2020</a:t>
             </a:fld>
             <a:endParaRPr lang="en-US"/>
           </a:p>
@@ -2689,7 +2690,7 @@
             <a:fld id="{1D8BD707-D9CF-40AE-B4C6-C98DA3205C09}" type="datetimeFigureOut">
               <a:rPr lang="en-US" smtClean="0"/>
               <a:pPr/>
-              <a:t>7/28/2020</a:t>
+              <a:t>7/29/2020</a:t>
             </a:fld>
             <a:endParaRPr lang="en-US"/>
           </a:p>
@@ -3217,6 +3218,451 @@
           </a:p>
         </p:txBody>
       </p:sp>
+      <p:pic>
+        <p:nvPicPr>
+          <p:cNvPr id="3" name="Picture 2" descr="Aviones.png"/>
+          <p:cNvPicPr>
+            <a:picLocks noChangeAspect="1"/>
+          </p:cNvPicPr>
+          <p:nvPr/>
+        </p:nvPicPr>
+        <p:blipFill>
+          <a:blip r:embed="rId2" cstate="print"/>
+          <a:stretch>
+            <a:fillRect/>
+          </a:stretch>
+        </p:blipFill>
+        <p:spPr>
+          <a:xfrm>
+            <a:off x="1676400" y="990600"/>
+            <a:ext cx="5977994" cy="3098683"/>
+          </a:xfrm>
+          <a:prstGeom prst="rect">
+            <a:avLst/>
+          </a:prstGeom>
+          <a:solidFill>
+            <a:srgbClr val="FFFFFF">
+              <a:shade val="85000"/>
+            </a:srgbClr>
+          </a:solidFill>
+          <a:ln w="88900" cap="sq">
+            <a:solidFill>
+              <a:srgbClr val="FFFFFF"/>
+            </a:solidFill>
+            <a:miter lim="800000"/>
+          </a:ln>
+          <a:effectLst>
+            <a:outerShdw blurRad="55000" dist="18000" dir="5400000" algn="tl" rotWithShape="0">
+              <a:srgbClr val="000000">
+                <a:alpha val="40000"/>
+              </a:srgbClr>
+            </a:outerShdw>
+          </a:effectLst>
+          <a:scene3d>
+            <a:camera prst="orthographicFront"/>
+            <a:lightRig rig="twoPt" dir="t">
+              <a:rot lat="0" lon="0" rev="7200000"/>
+            </a:lightRig>
+          </a:scene3d>
+          <a:sp3d>
+            <a:bevelT w="25400" h="19050"/>
+            <a:contourClr>
+              <a:srgbClr val="FFFFFF"/>
+            </a:contourClr>
+          </a:sp3d>
+        </p:spPr>
+      </p:pic>
+      <p:pic>
+        <p:nvPicPr>
+          <p:cNvPr id="4" name="Picture 3" descr="Aviones.png"/>
+          <p:cNvPicPr>
+            <a:picLocks noChangeAspect="1"/>
+          </p:cNvPicPr>
+          <p:nvPr/>
+        </p:nvPicPr>
+        <p:blipFill>
+          <a:blip r:embed="rId3" cstate="print"/>
+          <a:stretch>
+            <a:fillRect/>
+          </a:stretch>
+        </p:blipFill>
+        <p:spPr>
+          <a:xfrm>
+            <a:off x="1447800" y="3810000"/>
+            <a:ext cx="6485182" cy="815411"/>
+          </a:xfrm>
+          <a:prstGeom prst="rect">
+            <a:avLst/>
+          </a:prstGeom>
+          <a:solidFill>
+            <a:srgbClr val="FFFFFF">
+              <a:shade val="85000"/>
+            </a:srgbClr>
+          </a:solidFill>
+          <a:ln w="88900" cap="sq">
+            <a:solidFill>
+              <a:srgbClr val="FFFFFF"/>
+            </a:solidFill>
+            <a:miter lim="800000"/>
+          </a:ln>
+          <a:effectLst>
+            <a:outerShdw blurRad="55000" dist="18000" dir="5400000" algn="tl" rotWithShape="0">
+              <a:srgbClr val="000000">
+                <a:alpha val="40000"/>
+              </a:srgbClr>
+            </a:outerShdw>
+          </a:effectLst>
+          <a:scene3d>
+            <a:camera prst="orthographicFront"/>
+            <a:lightRig rig="twoPt" dir="t">
+              <a:rot lat="0" lon="0" rev="7200000"/>
+            </a:lightRig>
+          </a:scene3d>
+          <a:sp3d>
+            <a:bevelT w="25400" h="19050"/>
+            <a:contourClr>
+              <a:srgbClr val="FFFFFF"/>
+            </a:contourClr>
+          </a:sp3d>
+        </p:spPr>
+      </p:pic>
+      <p:pic>
+        <p:nvPicPr>
+          <p:cNvPr id="5" name="Picture 4" descr="Aviones.png"/>
+          <p:cNvPicPr>
+            <a:picLocks noChangeAspect="1"/>
+          </p:cNvPicPr>
+          <p:nvPr/>
+        </p:nvPicPr>
+        <p:blipFill>
+          <a:blip r:embed="rId4" cstate="print"/>
+          <a:stretch>
+            <a:fillRect/>
+          </a:stretch>
+        </p:blipFill>
+        <p:spPr>
+          <a:xfrm>
+            <a:off x="1981200" y="4777679"/>
+            <a:ext cx="5524979" cy="708721"/>
+          </a:xfrm>
+          <a:prstGeom prst="rect">
+            <a:avLst/>
+          </a:prstGeom>
+          <a:solidFill>
+            <a:srgbClr val="FFFFFF">
+              <a:shade val="85000"/>
+            </a:srgbClr>
+          </a:solidFill>
+          <a:ln w="88900" cap="sq">
+            <a:solidFill>
+              <a:srgbClr val="FFFFFF"/>
+            </a:solidFill>
+            <a:miter lim="800000"/>
+          </a:ln>
+          <a:effectLst>
+            <a:outerShdw blurRad="55000" dist="18000" dir="5400000" algn="tl" rotWithShape="0">
+              <a:srgbClr val="000000">
+                <a:alpha val="40000"/>
+              </a:srgbClr>
+            </a:outerShdw>
+          </a:effectLst>
+          <a:scene3d>
+            <a:camera prst="orthographicFront"/>
+            <a:lightRig rig="twoPt" dir="t">
+              <a:rot lat="0" lon="0" rev="7200000"/>
+            </a:lightRig>
+          </a:scene3d>
+          <a:sp3d>
+            <a:bevelT w="25400" h="19050"/>
+            <a:contourClr>
+              <a:srgbClr val="FFFFFF"/>
+            </a:contourClr>
+          </a:sp3d>
+        </p:spPr>
+      </p:pic>
+      <p:pic>
+        <p:nvPicPr>
+          <p:cNvPr id="6" name="Picture 5" descr="Aviones.png"/>
+          <p:cNvPicPr>
+            <a:picLocks noChangeAspect="1"/>
+          </p:cNvPicPr>
+          <p:nvPr/>
+        </p:nvPicPr>
+        <p:blipFill>
+          <a:blip r:embed="rId5" cstate="print"/>
+          <a:stretch>
+            <a:fillRect/>
+          </a:stretch>
+        </p:blipFill>
+        <p:spPr>
+          <a:xfrm>
+            <a:off x="1219200" y="5638734"/>
+            <a:ext cx="6957663" cy="762066"/>
+          </a:xfrm>
+          <a:prstGeom prst="rect">
+            <a:avLst/>
+          </a:prstGeom>
+          <a:solidFill>
+            <a:srgbClr val="FFFFFF">
+              <a:shade val="85000"/>
+            </a:srgbClr>
+          </a:solidFill>
+          <a:ln w="88900" cap="sq">
+            <a:solidFill>
+              <a:srgbClr val="FFFFFF"/>
+            </a:solidFill>
+            <a:miter lim="800000"/>
+          </a:ln>
+          <a:effectLst>
+            <a:outerShdw blurRad="55000" dist="18000" dir="5400000" algn="tl" rotWithShape="0">
+              <a:srgbClr val="000000">
+                <a:alpha val="40000"/>
+              </a:srgbClr>
+            </a:outerShdw>
+          </a:effectLst>
+          <a:scene3d>
+            <a:camera prst="orthographicFront"/>
+            <a:lightRig rig="twoPt" dir="t">
+              <a:rot lat="0" lon="0" rev="7200000"/>
+            </a:lightRig>
+          </a:scene3d>
+          <a:sp3d>
+            <a:bevelT w="25400" h="19050"/>
+            <a:contourClr>
+              <a:srgbClr val="FFFFFF"/>
+            </a:contourClr>
+          </a:sp3d>
+        </p:spPr>
+      </p:pic>
+    </p:spTree>
+  </p:cSld>
+  <p:clrMapOvr>
+    <a:masterClrMapping/>
+  </p:clrMapOvr>
+</p:sld>
+</file>
+
+<file path=ppt/slides/slide3.xml><?xml version="1.0" encoding="utf-8"?>
+<p:sld xmlns:a="http://schemas.openxmlformats.org/drawingml/2006/main" xmlns:r="http://schemas.openxmlformats.org/officeDocument/2006/relationships" xmlns:p="http://schemas.openxmlformats.org/presentationml/2006/main">
+  <p:cSld>
+    <p:spTree>
+      <p:nvGrpSpPr>
+        <p:cNvPr id="1" name=""/>
+        <p:cNvGrpSpPr/>
+        <p:nvPr/>
+      </p:nvGrpSpPr>
+      <p:grpSpPr>
+        <a:xfrm>
+          <a:off x="0" y="0"/>
+          <a:ext cx="0" cy="0"/>
+          <a:chOff x="0" y="0"/>
+          <a:chExt cx="0" cy="0"/>
+        </a:xfrm>
+      </p:grpSpPr>
+      <p:sp>
+        <p:nvSpPr>
+          <p:cNvPr id="2" name="Title 1"/>
+          <p:cNvSpPr>
+            <a:spLocks noGrp="1"/>
+          </p:cNvSpPr>
+          <p:nvPr>
+            <p:ph type="ctrTitle"/>
+          </p:nvPr>
+        </p:nvSpPr>
+        <p:spPr>
+          <a:xfrm>
+            <a:off x="685800" y="457201"/>
+            <a:ext cx="7772400" cy="533399"/>
+          </a:xfrm>
+        </p:spPr>
+        <p:txBody>
+          <a:bodyPr>
+            <a:normAutofit/>
+          </a:bodyPr>
+          <a:lstStyle/>
+          <a:p>
+            <a:r>
+              <a:rPr lang="es-ES" sz="2000" dirty="0" smtClean="0"/>
+              <a:t>Ejercicio </a:t>
+            </a:r>
+            <a:r>
+              <a:rPr lang="es-ES" sz="2000" dirty="0" smtClean="0"/>
+              <a:t>3 </a:t>
+            </a:r>
+            <a:r>
+              <a:rPr lang="es-ES" sz="2000" dirty="0" smtClean="0"/>
+              <a:t>– </a:t>
+            </a:r>
+            <a:r>
+              <a:rPr lang="es-ES" sz="2000" dirty="0" err="1" smtClean="0"/>
+              <a:t>Stube</a:t>
+            </a:r>
+            <a:endParaRPr lang="es-ES" sz="2000" dirty="0"/>
+          </a:p>
+        </p:txBody>
+      </p:sp>
+      <p:pic>
+        <p:nvPicPr>
+          <p:cNvPr id="10" name="Picture 9" descr="Aviones.png"/>
+          <p:cNvPicPr>
+            <a:picLocks noChangeAspect="1"/>
+          </p:cNvPicPr>
+          <p:nvPr/>
+        </p:nvPicPr>
+        <p:blipFill>
+          <a:blip r:embed="rId2" cstate="print"/>
+          <a:stretch>
+            <a:fillRect/>
+          </a:stretch>
+        </p:blipFill>
+        <p:spPr>
+          <a:xfrm>
+            <a:off x="304800" y="3581400"/>
+            <a:ext cx="8534046" cy="1295400"/>
+          </a:xfrm>
+          <a:prstGeom prst="rect">
+            <a:avLst/>
+          </a:prstGeom>
+          <a:solidFill>
+            <a:srgbClr val="FFFFFF">
+              <a:shade val="85000"/>
+            </a:srgbClr>
+          </a:solidFill>
+          <a:ln w="88900" cap="sq">
+            <a:solidFill>
+              <a:srgbClr val="FFFFFF"/>
+            </a:solidFill>
+            <a:miter lim="800000"/>
+          </a:ln>
+          <a:effectLst>
+            <a:outerShdw blurRad="55000" dist="18000" dir="5400000" algn="tl" rotWithShape="0">
+              <a:srgbClr val="000000">
+                <a:alpha val="40000"/>
+              </a:srgbClr>
+            </a:outerShdw>
+          </a:effectLst>
+          <a:scene3d>
+            <a:camera prst="orthographicFront"/>
+            <a:lightRig rig="twoPt" dir="t">
+              <a:rot lat="0" lon="0" rev="7200000"/>
+            </a:lightRig>
+          </a:scene3d>
+          <a:sp3d>
+            <a:bevelT w="25400" h="19050"/>
+            <a:contourClr>
+              <a:srgbClr val="FFFFFF"/>
+            </a:contourClr>
+          </a:sp3d>
+        </p:spPr>
+      </p:pic>
+      <p:pic>
+        <p:nvPicPr>
+          <p:cNvPr id="11" name="Picture 10" descr="Aviones.png"/>
+          <p:cNvPicPr>
+            <a:picLocks noChangeAspect="1"/>
+          </p:cNvPicPr>
+          <p:nvPr/>
+        </p:nvPicPr>
+        <p:blipFill>
+          <a:blip r:embed="rId3" cstate="print"/>
+          <a:stretch>
+            <a:fillRect/>
+          </a:stretch>
+        </p:blipFill>
+        <p:spPr>
+          <a:xfrm>
+            <a:off x="381000" y="5105400"/>
+            <a:ext cx="8540940" cy="983868"/>
+          </a:xfrm>
+          <a:prstGeom prst="rect">
+            <a:avLst/>
+          </a:prstGeom>
+          <a:solidFill>
+            <a:srgbClr val="FFFFFF">
+              <a:shade val="85000"/>
+            </a:srgbClr>
+          </a:solidFill>
+          <a:ln w="88900" cap="sq">
+            <a:solidFill>
+              <a:srgbClr val="FFFFFF"/>
+            </a:solidFill>
+            <a:miter lim="800000"/>
+          </a:ln>
+          <a:effectLst>
+            <a:outerShdw blurRad="55000" dist="18000" dir="5400000" algn="tl" rotWithShape="0">
+              <a:srgbClr val="000000">
+                <a:alpha val="40000"/>
+              </a:srgbClr>
+            </a:outerShdw>
+          </a:effectLst>
+          <a:scene3d>
+            <a:camera prst="orthographicFront"/>
+            <a:lightRig rig="twoPt" dir="t">
+              <a:rot lat="0" lon="0" rev="7200000"/>
+            </a:lightRig>
+          </a:scene3d>
+          <a:sp3d>
+            <a:bevelT w="25400" h="19050"/>
+            <a:contourClr>
+              <a:srgbClr val="FFFFFF"/>
+            </a:contourClr>
+          </a:sp3d>
+        </p:spPr>
+      </p:pic>
+      <p:pic>
+        <p:nvPicPr>
+          <p:cNvPr id="12" name="Picture 11" descr="Aviones.png"/>
+          <p:cNvPicPr>
+            <a:picLocks noChangeAspect="1"/>
+          </p:cNvPicPr>
+          <p:nvPr/>
+        </p:nvPicPr>
+        <p:blipFill>
+          <a:blip r:embed="rId4" cstate="print"/>
+          <a:stretch>
+            <a:fillRect/>
+          </a:stretch>
+        </p:blipFill>
+        <p:spPr>
+          <a:xfrm>
+            <a:off x="1066800" y="990600"/>
+            <a:ext cx="7018629" cy="2362405"/>
+          </a:xfrm>
+          <a:prstGeom prst="rect">
+            <a:avLst/>
+          </a:prstGeom>
+          <a:solidFill>
+            <a:srgbClr val="FFFFFF">
+              <a:shade val="85000"/>
+            </a:srgbClr>
+          </a:solidFill>
+          <a:ln w="88900" cap="sq">
+            <a:solidFill>
+              <a:srgbClr val="FFFFFF"/>
+            </a:solidFill>
+            <a:miter lim="800000"/>
+          </a:ln>
+          <a:effectLst>
+            <a:outerShdw blurRad="55000" dist="18000" dir="5400000" algn="tl" rotWithShape="0">
+              <a:srgbClr val="000000">
+                <a:alpha val="40000"/>
+              </a:srgbClr>
+            </a:outerShdw>
+          </a:effectLst>
+          <a:scene3d>
+            <a:camera prst="orthographicFront"/>
+            <a:lightRig rig="twoPt" dir="t">
+              <a:rot lat="0" lon="0" rev="7200000"/>
+            </a:lightRig>
+          </a:scene3d>
+          <a:sp3d>
+            <a:bevelT w="25400" h="19050"/>
+            <a:contourClr>
+              <a:srgbClr val="FFFFFF"/>
+            </a:contourClr>
+          </a:sp3d>
+        </p:spPr>
+      </p:pic>
     </p:spTree>
   </p:cSld>
   <p:clrMapOvr>

--- a/Screenshots.pptx
+++ b/Screenshots.pptx
@@ -8,6 +8,11 @@
     <p:sldId id="256" r:id="rId2"/>
     <p:sldId id="257" r:id="rId3"/>
     <p:sldId id="258" r:id="rId4"/>
+    <p:sldId id="259" r:id="rId5"/>
+    <p:sldId id="260" r:id="rId6"/>
+    <p:sldId id="261" r:id="rId7"/>
+    <p:sldId id="262" r:id="rId8"/>
+    <p:sldId id="263" r:id="rId9"/>
   </p:sldIdLst>
   <p:sldSz cx="9144000" cy="6858000" type="screen4x3"/>
   <p:notesSz cx="6858000" cy="9144000"/>
@@ -291,7 +296,7 @@
             <a:fld id="{1D8BD707-D9CF-40AE-B4C6-C98DA3205C09}" type="datetimeFigureOut">
               <a:rPr lang="en-US" smtClean="0"/>
               <a:pPr/>
-              <a:t>7/29/2020</a:t>
+              <a:t>7/31/2020</a:t>
             </a:fld>
             <a:endParaRPr lang="en-US"/>
           </a:p>
@@ -458,7 +463,7 @@
             <a:fld id="{1D8BD707-D9CF-40AE-B4C6-C98DA3205C09}" type="datetimeFigureOut">
               <a:rPr lang="en-US" smtClean="0"/>
               <a:pPr/>
-              <a:t>7/29/2020</a:t>
+              <a:t>7/31/2020</a:t>
             </a:fld>
             <a:endParaRPr lang="en-US"/>
           </a:p>
@@ -635,7 +640,7 @@
             <a:fld id="{1D8BD707-D9CF-40AE-B4C6-C98DA3205C09}" type="datetimeFigureOut">
               <a:rPr lang="en-US" smtClean="0"/>
               <a:pPr/>
-              <a:t>7/29/2020</a:t>
+              <a:t>7/31/2020</a:t>
             </a:fld>
             <a:endParaRPr lang="en-US"/>
           </a:p>
@@ -802,7 +807,7 @@
             <a:fld id="{1D8BD707-D9CF-40AE-B4C6-C98DA3205C09}" type="datetimeFigureOut">
               <a:rPr lang="en-US" smtClean="0"/>
               <a:pPr/>
-              <a:t>7/29/2020</a:t>
+              <a:t>7/31/2020</a:t>
             </a:fld>
             <a:endParaRPr lang="en-US"/>
           </a:p>
@@ -1045,7 +1050,7 @@
             <a:fld id="{1D8BD707-D9CF-40AE-B4C6-C98DA3205C09}" type="datetimeFigureOut">
               <a:rPr lang="en-US" smtClean="0"/>
               <a:pPr/>
-              <a:t>7/29/2020</a:t>
+              <a:t>7/31/2020</a:t>
             </a:fld>
             <a:endParaRPr lang="en-US"/>
           </a:p>
@@ -1330,7 +1335,7 @@
             <a:fld id="{1D8BD707-D9CF-40AE-B4C6-C98DA3205C09}" type="datetimeFigureOut">
               <a:rPr lang="en-US" smtClean="0"/>
               <a:pPr/>
-              <a:t>7/29/2020</a:t>
+              <a:t>7/31/2020</a:t>
             </a:fld>
             <a:endParaRPr lang="en-US"/>
           </a:p>
@@ -1749,7 +1754,7 @@
             <a:fld id="{1D8BD707-D9CF-40AE-B4C6-C98DA3205C09}" type="datetimeFigureOut">
               <a:rPr lang="en-US" smtClean="0"/>
               <a:pPr/>
-              <a:t>7/29/2020</a:t>
+              <a:t>7/31/2020</a:t>
             </a:fld>
             <a:endParaRPr lang="en-US"/>
           </a:p>
@@ -1864,7 +1869,7 @@
             <a:fld id="{1D8BD707-D9CF-40AE-B4C6-C98DA3205C09}" type="datetimeFigureOut">
               <a:rPr lang="en-US" smtClean="0"/>
               <a:pPr/>
-              <a:t>7/29/2020</a:t>
+              <a:t>7/31/2020</a:t>
             </a:fld>
             <a:endParaRPr lang="en-US"/>
           </a:p>
@@ -1956,7 +1961,7 @@
             <a:fld id="{1D8BD707-D9CF-40AE-B4C6-C98DA3205C09}" type="datetimeFigureOut">
               <a:rPr lang="en-US" smtClean="0"/>
               <a:pPr/>
-              <a:t>7/29/2020</a:t>
+              <a:t>7/31/2020</a:t>
             </a:fld>
             <a:endParaRPr lang="en-US"/>
           </a:p>
@@ -2230,7 +2235,7 @@
             <a:fld id="{1D8BD707-D9CF-40AE-B4C6-C98DA3205C09}" type="datetimeFigureOut">
               <a:rPr lang="en-US" smtClean="0"/>
               <a:pPr/>
-              <a:t>7/29/2020</a:t>
+              <a:t>7/31/2020</a:t>
             </a:fld>
             <a:endParaRPr lang="en-US"/>
           </a:p>
@@ -2480,7 +2485,7 @@
             <a:fld id="{1D8BD707-D9CF-40AE-B4C6-C98DA3205C09}" type="datetimeFigureOut">
               <a:rPr lang="en-US" smtClean="0"/>
               <a:pPr/>
-              <a:t>7/29/2020</a:t>
+              <a:t>7/31/2020</a:t>
             </a:fld>
             <a:endParaRPr lang="en-US"/>
           </a:p>
@@ -2690,7 +2695,7 @@
             <a:fld id="{1D8BD707-D9CF-40AE-B4C6-C98DA3205C09}" type="datetimeFigureOut">
               <a:rPr lang="en-US" smtClean="0"/>
               <a:pPr/>
-              <a:t>7/29/2020</a:t>
+              <a:t>7/31/2020</a:t>
             </a:fld>
             <a:endParaRPr lang="en-US"/>
           </a:p>
@@ -3483,15 +3488,7 @@
           <a:p>
             <a:r>
               <a:rPr lang="es-ES" sz="2000" dirty="0" smtClean="0"/>
-              <a:t>Ejercicio </a:t>
-            </a:r>
-            <a:r>
-              <a:rPr lang="es-ES" sz="2000" dirty="0" smtClean="0"/>
-              <a:t>3 </a:t>
-            </a:r>
-            <a:r>
-              <a:rPr lang="es-ES" sz="2000" dirty="0" smtClean="0"/>
-              <a:t>– </a:t>
+              <a:t>Ejercicio 3 – </a:t>
             </a:r>
             <a:r>
               <a:rPr lang="es-ES" sz="2000" dirty="0" err="1" smtClean="0"/>
@@ -3517,8 +3514,8 @@
         </p:blipFill>
         <p:spPr>
           <a:xfrm>
-            <a:off x="304800" y="3581400"/>
-            <a:ext cx="8534046" cy="1295400"/>
+            <a:off x="685800" y="2895600"/>
+            <a:ext cx="7924800" cy="1202921"/>
           </a:xfrm>
           <a:prstGeom prst="rect">
             <a:avLst/>
@@ -3571,8 +3568,8 @@
         </p:blipFill>
         <p:spPr>
           <a:xfrm>
-            <a:off x="381000" y="5105400"/>
-            <a:ext cx="8540940" cy="983868"/>
+            <a:off x="685800" y="4191000"/>
+            <a:ext cx="7937890" cy="914400"/>
           </a:xfrm>
           <a:prstGeom prst="rect">
             <a:avLst/>
@@ -3611,7 +3608,7 @@
       </p:pic>
       <p:pic>
         <p:nvPicPr>
-          <p:cNvPr id="12" name="Picture 11" descr="Aviones.png"/>
+          <p:cNvPr id="13" name="Picture 12" descr="Aviones.png"/>
           <p:cNvPicPr>
             <a:picLocks noChangeAspect="1"/>
           </p:cNvPicPr>
@@ -3625,8 +3622,909 @@
         </p:blipFill>
         <p:spPr>
           <a:xfrm>
-            <a:off x="1066800" y="990600"/>
-            <a:ext cx="7018629" cy="2362405"/>
+            <a:off x="762000" y="1031111"/>
+            <a:ext cx="7849360" cy="1788289"/>
+          </a:xfrm>
+          <a:prstGeom prst="rect">
+            <a:avLst/>
+          </a:prstGeom>
+          <a:solidFill>
+            <a:srgbClr val="FFFFFF">
+              <a:shade val="85000"/>
+            </a:srgbClr>
+          </a:solidFill>
+          <a:ln w="88900" cap="sq">
+            <a:solidFill>
+              <a:srgbClr val="FFFFFF"/>
+            </a:solidFill>
+            <a:miter lim="800000"/>
+          </a:ln>
+          <a:effectLst>
+            <a:outerShdw blurRad="55000" dist="18000" dir="5400000" algn="tl" rotWithShape="0">
+              <a:srgbClr val="000000">
+                <a:alpha val="40000"/>
+              </a:srgbClr>
+            </a:outerShdw>
+          </a:effectLst>
+          <a:scene3d>
+            <a:camera prst="orthographicFront"/>
+            <a:lightRig rig="twoPt" dir="t">
+              <a:rot lat="0" lon="0" rev="7200000"/>
+            </a:lightRig>
+          </a:scene3d>
+          <a:sp3d>
+            <a:bevelT w="25400" h="19050"/>
+            <a:contourClr>
+              <a:srgbClr val="FFFFFF"/>
+            </a:contourClr>
+          </a:sp3d>
+        </p:spPr>
+      </p:pic>
+      <p:pic>
+        <p:nvPicPr>
+          <p:cNvPr id="14" name="Picture 13" descr="Aviones.png"/>
+          <p:cNvPicPr>
+            <a:picLocks noChangeAspect="1"/>
+          </p:cNvPicPr>
+          <p:nvPr/>
+        </p:nvPicPr>
+        <p:blipFill>
+          <a:blip r:embed="rId5" cstate="print"/>
+          <a:stretch>
+            <a:fillRect/>
+          </a:stretch>
+        </p:blipFill>
+        <p:spPr>
+          <a:xfrm>
+            <a:off x="1447800" y="5257800"/>
+            <a:ext cx="6081287" cy="1044031"/>
+          </a:xfrm>
+          <a:prstGeom prst="rect">
+            <a:avLst/>
+          </a:prstGeom>
+          <a:solidFill>
+            <a:srgbClr val="FFFFFF">
+              <a:shade val="85000"/>
+            </a:srgbClr>
+          </a:solidFill>
+          <a:ln w="88900" cap="sq">
+            <a:solidFill>
+              <a:srgbClr val="FFFFFF"/>
+            </a:solidFill>
+            <a:miter lim="800000"/>
+          </a:ln>
+          <a:effectLst>
+            <a:outerShdw blurRad="55000" dist="18000" dir="5400000" algn="tl" rotWithShape="0">
+              <a:srgbClr val="000000">
+                <a:alpha val="40000"/>
+              </a:srgbClr>
+            </a:outerShdw>
+          </a:effectLst>
+          <a:scene3d>
+            <a:camera prst="orthographicFront"/>
+            <a:lightRig rig="twoPt" dir="t">
+              <a:rot lat="0" lon="0" rev="7200000"/>
+            </a:lightRig>
+          </a:scene3d>
+          <a:sp3d>
+            <a:bevelT w="25400" h="19050"/>
+            <a:contourClr>
+              <a:srgbClr val="FFFFFF"/>
+            </a:contourClr>
+          </a:sp3d>
+        </p:spPr>
+      </p:pic>
+    </p:spTree>
+  </p:cSld>
+  <p:clrMapOvr>
+    <a:masterClrMapping/>
+  </p:clrMapOvr>
+</p:sld>
+</file>
+
+<file path=ppt/slides/slide4.xml><?xml version="1.0" encoding="utf-8"?>
+<p:sld xmlns:a="http://schemas.openxmlformats.org/drawingml/2006/main" xmlns:r="http://schemas.openxmlformats.org/officeDocument/2006/relationships" xmlns:p="http://schemas.openxmlformats.org/presentationml/2006/main">
+  <p:cSld>
+    <p:spTree>
+      <p:nvGrpSpPr>
+        <p:cNvPr id="1" name=""/>
+        <p:cNvGrpSpPr/>
+        <p:nvPr/>
+      </p:nvGrpSpPr>
+      <p:grpSpPr>
+        <a:xfrm>
+          <a:off x="0" y="0"/>
+          <a:ext cx="0" cy="0"/>
+          <a:chOff x="0" y="0"/>
+          <a:chExt cx="0" cy="0"/>
+        </a:xfrm>
+      </p:grpSpPr>
+      <p:sp>
+        <p:nvSpPr>
+          <p:cNvPr id="2" name="Title 1"/>
+          <p:cNvSpPr>
+            <a:spLocks noGrp="1"/>
+          </p:cNvSpPr>
+          <p:nvPr>
+            <p:ph type="ctrTitle"/>
+          </p:nvPr>
+        </p:nvSpPr>
+        <p:spPr>
+          <a:xfrm>
+            <a:off x="685800" y="457201"/>
+            <a:ext cx="7772400" cy="533399"/>
+          </a:xfrm>
+        </p:spPr>
+        <p:txBody>
+          <a:bodyPr>
+            <a:normAutofit/>
+          </a:bodyPr>
+          <a:lstStyle/>
+          <a:p>
+            <a:r>
+              <a:rPr lang="es-ES" sz="2000" dirty="0" smtClean="0"/>
+              <a:t>Ejercicio 4 – Amazon</a:t>
+            </a:r>
+            <a:endParaRPr lang="es-ES" sz="2000" dirty="0"/>
+          </a:p>
+        </p:txBody>
+      </p:sp>
+      <p:pic>
+        <p:nvPicPr>
+          <p:cNvPr id="6" name="Picture 5" descr="Aviones.png"/>
+          <p:cNvPicPr>
+            <a:picLocks noChangeAspect="1"/>
+          </p:cNvPicPr>
+          <p:nvPr/>
+        </p:nvPicPr>
+        <p:blipFill>
+          <a:blip r:embed="rId2" cstate="print"/>
+          <a:stretch>
+            <a:fillRect/>
+          </a:stretch>
+        </p:blipFill>
+        <p:spPr>
+          <a:xfrm>
+            <a:off x="914400" y="990600"/>
+            <a:ext cx="7467600" cy="3689651"/>
+          </a:xfrm>
+          <a:prstGeom prst="rect">
+            <a:avLst/>
+          </a:prstGeom>
+          <a:solidFill>
+            <a:srgbClr val="FFFFFF">
+              <a:shade val="85000"/>
+            </a:srgbClr>
+          </a:solidFill>
+          <a:ln w="88900" cap="sq">
+            <a:solidFill>
+              <a:srgbClr val="FFFFFF"/>
+            </a:solidFill>
+            <a:miter lim="800000"/>
+          </a:ln>
+          <a:effectLst>
+            <a:outerShdw blurRad="55000" dist="18000" dir="5400000" algn="tl" rotWithShape="0">
+              <a:srgbClr val="000000">
+                <a:alpha val="40000"/>
+              </a:srgbClr>
+            </a:outerShdw>
+          </a:effectLst>
+          <a:scene3d>
+            <a:camera prst="orthographicFront"/>
+            <a:lightRig rig="twoPt" dir="t">
+              <a:rot lat="0" lon="0" rev="7200000"/>
+            </a:lightRig>
+          </a:scene3d>
+          <a:sp3d>
+            <a:bevelT w="25400" h="19050"/>
+            <a:contourClr>
+              <a:srgbClr val="FFFFFF"/>
+            </a:contourClr>
+          </a:sp3d>
+        </p:spPr>
+      </p:pic>
+      <p:pic>
+        <p:nvPicPr>
+          <p:cNvPr id="7" name="Picture 6" descr="Aviones.png"/>
+          <p:cNvPicPr>
+            <a:picLocks noChangeAspect="1"/>
+          </p:cNvPicPr>
+          <p:nvPr/>
+        </p:nvPicPr>
+        <p:blipFill>
+          <a:blip r:embed="rId3" cstate="print"/>
+          <a:stretch>
+            <a:fillRect/>
+          </a:stretch>
+        </p:blipFill>
+        <p:spPr>
+          <a:xfrm>
+            <a:off x="1295400" y="4876800"/>
+            <a:ext cx="6858000" cy="1496021"/>
+          </a:xfrm>
+          <a:prstGeom prst="rect">
+            <a:avLst/>
+          </a:prstGeom>
+          <a:solidFill>
+            <a:srgbClr val="FFFFFF">
+              <a:shade val="85000"/>
+            </a:srgbClr>
+          </a:solidFill>
+          <a:ln w="88900" cap="sq">
+            <a:solidFill>
+              <a:srgbClr val="FFFFFF"/>
+            </a:solidFill>
+            <a:miter lim="800000"/>
+          </a:ln>
+          <a:effectLst>
+            <a:outerShdw blurRad="55000" dist="18000" dir="5400000" algn="tl" rotWithShape="0">
+              <a:srgbClr val="000000">
+                <a:alpha val="40000"/>
+              </a:srgbClr>
+            </a:outerShdw>
+          </a:effectLst>
+          <a:scene3d>
+            <a:camera prst="orthographicFront"/>
+            <a:lightRig rig="twoPt" dir="t">
+              <a:rot lat="0" lon="0" rev="7200000"/>
+            </a:lightRig>
+          </a:scene3d>
+          <a:sp3d>
+            <a:bevelT w="25400" h="19050"/>
+            <a:contourClr>
+              <a:srgbClr val="FFFFFF"/>
+            </a:contourClr>
+          </a:sp3d>
+        </p:spPr>
+      </p:pic>
+    </p:spTree>
+  </p:cSld>
+  <p:clrMapOvr>
+    <a:masterClrMapping/>
+  </p:clrMapOvr>
+</p:sld>
+</file>
+
+<file path=ppt/slides/slide5.xml><?xml version="1.0" encoding="utf-8"?>
+<p:sld xmlns:a="http://schemas.openxmlformats.org/drawingml/2006/main" xmlns:r="http://schemas.openxmlformats.org/officeDocument/2006/relationships" xmlns:p="http://schemas.openxmlformats.org/presentationml/2006/main">
+  <p:cSld>
+    <p:spTree>
+      <p:nvGrpSpPr>
+        <p:cNvPr id="1" name=""/>
+        <p:cNvGrpSpPr/>
+        <p:nvPr/>
+      </p:nvGrpSpPr>
+      <p:grpSpPr>
+        <a:xfrm>
+          <a:off x="0" y="0"/>
+          <a:ext cx="0" cy="0"/>
+          <a:chOff x="0" y="0"/>
+          <a:chExt cx="0" cy="0"/>
+        </a:xfrm>
+      </p:grpSpPr>
+      <p:sp>
+        <p:nvSpPr>
+          <p:cNvPr id="2" name="Title 1"/>
+          <p:cNvSpPr>
+            <a:spLocks noGrp="1"/>
+          </p:cNvSpPr>
+          <p:nvPr>
+            <p:ph type="ctrTitle"/>
+          </p:nvPr>
+        </p:nvSpPr>
+        <p:spPr>
+          <a:xfrm>
+            <a:off x="685800" y="457201"/>
+            <a:ext cx="7772400" cy="533399"/>
+          </a:xfrm>
+        </p:spPr>
+        <p:txBody>
+          <a:bodyPr>
+            <a:normAutofit/>
+          </a:bodyPr>
+          <a:lstStyle/>
+          <a:p>
+            <a:r>
+              <a:rPr lang="es-ES" sz="2000" dirty="0" smtClean="0"/>
+              <a:t>Ejercicio 4 – Amazon</a:t>
+            </a:r>
+            <a:endParaRPr lang="es-ES" sz="2000" dirty="0"/>
+          </a:p>
+        </p:txBody>
+      </p:sp>
+      <p:pic>
+        <p:nvPicPr>
+          <p:cNvPr id="5" name="Picture 4" descr="Aviones.png"/>
+          <p:cNvPicPr>
+            <a:picLocks noChangeAspect="1"/>
+          </p:cNvPicPr>
+          <p:nvPr/>
+        </p:nvPicPr>
+        <p:blipFill>
+          <a:blip r:embed="rId2" cstate="print"/>
+          <a:stretch>
+            <a:fillRect/>
+          </a:stretch>
+        </p:blipFill>
+        <p:spPr>
+          <a:xfrm>
+            <a:off x="1219200" y="1295400"/>
+            <a:ext cx="6686859" cy="1895206"/>
+          </a:xfrm>
+          <a:prstGeom prst="rect">
+            <a:avLst/>
+          </a:prstGeom>
+          <a:solidFill>
+            <a:srgbClr val="FFFFFF">
+              <a:shade val="85000"/>
+            </a:srgbClr>
+          </a:solidFill>
+          <a:ln w="88900" cap="sq">
+            <a:solidFill>
+              <a:srgbClr val="FFFFFF"/>
+            </a:solidFill>
+            <a:miter lim="800000"/>
+          </a:ln>
+          <a:effectLst>
+            <a:outerShdw blurRad="55000" dist="18000" dir="5400000" algn="tl" rotWithShape="0">
+              <a:srgbClr val="000000">
+                <a:alpha val="40000"/>
+              </a:srgbClr>
+            </a:outerShdw>
+          </a:effectLst>
+          <a:scene3d>
+            <a:camera prst="orthographicFront"/>
+            <a:lightRig rig="twoPt" dir="t">
+              <a:rot lat="0" lon="0" rev="7200000"/>
+            </a:lightRig>
+          </a:scene3d>
+          <a:sp3d>
+            <a:bevelT w="25400" h="19050"/>
+            <a:contourClr>
+              <a:srgbClr val="FFFFFF"/>
+            </a:contourClr>
+          </a:sp3d>
+        </p:spPr>
+      </p:pic>
+      <p:pic>
+        <p:nvPicPr>
+          <p:cNvPr id="7" name="Picture 6" descr="Aviones.png"/>
+          <p:cNvPicPr>
+            <a:picLocks noChangeAspect="1"/>
+          </p:cNvPicPr>
+          <p:nvPr/>
+        </p:nvPicPr>
+        <p:blipFill>
+          <a:blip r:embed="rId3" cstate="print"/>
+          <a:stretch>
+            <a:fillRect/>
+          </a:stretch>
+        </p:blipFill>
+        <p:spPr>
+          <a:xfrm>
+            <a:off x="1143000" y="3657600"/>
+            <a:ext cx="6889077" cy="1516512"/>
+          </a:xfrm>
+          <a:prstGeom prst="rect">
+            <a:avLst/>
+          </a:prstGeom>
+          <a:solidFill>
+            <a:srgbClr val="FFFFFF">
+              <a:shade val="85000"/>
+            </a:srgbClr>
+          </a:solidFill>
+          <a:ln w="88900" cap="sq">
+            <a:solidFill>
+              <a:srgbClr val="FFFFFF"/>
+            </a:solidFill>
+            <a:miter lim="800000"/>
+          </a:ln>
+          <a:effectLst>
+            <a:outerShdw blurRad="55000" dist="18000" dir="5400000" algn="tl" rotWithShape="0">
+              <a:srgbClr val="000000">
+                <a:alpha val="40000"/>
+              </a:srgbClr>
+            </a:outerShdw>
+          </a:effectLst>
+          <a:scene3d>
+            <a:camera prst="orthographicFront"/>
+            <a:lightRig rig="twoPt" dir="t">
+              <a:rot lat="0" lon="0" rev="7200000"/>
+            </a:lightRig>
+          </a:scene3d>
+          <a:sp3d>
+            <a:bevelT w="25400" h="19050"/>
+            <a:contourClr>
+              <a:srgbClr val="FFFFFF"/>
+            </a:contourClr>
+          </a:sp3d>
+        </p:spPr>
+      </p:pic>
+    </p:spTree>
+  </p:cSld>
+  <p:clrMapOvr>
+    <a:masterClrMapping/>
+  </p:clrMapOvr>
+</p:sld>
+</file>
+
+<file path=ppt/slides/slide6.xml><?xml version="1.0" encoding="utf-8"?>
+<p:sld xmlns:a="http://schemas.openxmlformats.org/drawingml/2006/main" xmlns:r="http://schemas.openxmlformats.org/officeDocument/2006/relationships" xmlns:p="http://schemas.openxmlformats.org/presentationml/2006/main">
+  <p:cSld>
+    <p:spTree>
+      <p:nvGrpSpPr>
+        <p:cNvPr id="1" name=""/>
+        <p:cNvGrpSpPr/>
+        <p:nvPr/>
+      </p:nvGrpSpPr>
+      <p:grpSpPr>
+        <a:xfrm>
+          <a:off x="0" y="0"/>
+          <a:ext cx="0" cy="0"/>
+          <a:chOff x="0" y="0"/>
+          <a:chExt cx="0" cy="0"/>
+        </a:xfrm>
+      </p:grpSpPr>
+      <p:sp>
+        <p:nvSpPr>
+          <p:cNvPr id="2" name="Title 1"/>
+          <p:cNvSpPr>
+            <a:spLocks noGrp="1"/>
+          </p:cNvSpPr>
+          <p:nvPr>
+            <p:ph type="ctrTitle"/>
+          </p:nvPr>
+        </p:nvSpPr>
+        <p:spPr>
+          <a:xfrm>
+            <a:off x="685800" y="457201"/>
+            <a:ext cx="7772400" cy="533399"/>
+          </a:xfrm>
+        </p:spPr>
+        <p:txBody>
+          <a:bodyPr>
+            <a:normAutofit/>
+          </a:bodyPr>
+          <a:lstStyle/>
+          <a:p>
+            <a:r>
+              <a:rPr lang="es-ES" sz="2000" dirty="0" smtClean="0"/>
+              <a:t>Ejercicio 4 – Amazon</a:t>
+            </a:r>
+            <a:endParaRPr lang="es-ES" sz="2000" dirty="0"/>
+          </a:p>
+        </p:txBody>
+      </p:sp>
+      <p:pic>
+        <p:nvPicPr>
+          <p:cNvPr id="6" name="Picture 5" descr="Aviones.png"/>
+          <p:cNvPicPr>
+            <a:picLocks noChangeAspect="1"/>
+          </p:cNvPicPr>
+          <p:nvPr/>
+        </p:nvPicPr>
+        <p:blipFill>
+          <a:blip r:embed="rId2" cstate="print"/>
+          <a:stretch>
+            <a:fillRect/>
+          </a:stretch>
+        </p:blipFill>
+        <p:spPr>
+          <a:xfrm>
+            <a:off x="1752600" y="1524000"/>
+            <a:ext cx="5524979" cy="1539373"/>
+          </a:xfrm>
+          <a:prstGeom prst="rect">
+            <a:avLst/>
+          </a:prstGeom>
+          <a:solidFill>
+            <a:srgbClr val="FFFFFF">
+              <a:shade val="85000"/>
+            </a:srgbClr>
+          </a:solidFill>
+          <a:ln w="88900" cap="sq">
+            <a:solidFill>
+              <a:srgbClr val="FFFFFF"/>
+            </a:solidFill>
+            <a:miter lim="800000"/>
+          </a:ln>
+          <a:effectLst>
+            <a:outerShdw blurRad="55000" dist="18000" dir="5400000" algn="tl" rotWithShape="0">
+              <a:srgbClr val="000000">
+                <a:alpha val="40000"/>
+              </a:srgbClr>
+            </a:outerShdw>
+          </a:effectLst>
+          <a:scene3d>
+            <a:camera prst="orthographicFront"/>
+            <a:lightRig rig="twoPt" dir="t">
+              <a:rot lat="0" lon="0" rev="7200000"/>
+            </a:lightRig>
+          </a:scene3d>
+          <a:sp3d>
+            <a:bevelT w="25400" h="19050"/>
+            <a:contourClr>
+              <a:srgbClr val="FFFFFF"/>
+            </a:contourClr>
+          </a:sp3d>
+        </p:spPr>
+      </p:pic>
+      <p:pic>
+        <p:nvPicPr>
+          <p:cNvPr id="8" name="Picture 7" descr="Aviones.png"/>
+          <p:cNvPicPr>
+            <a:picLocks noChangeAspect="1"/>
+          </p:cNvPicPr>
+          <p:nvPr/>
+        </p:nvPicPr>
+        <p:blipFill>
+          <a:blip r:embed="rId3" cstate="print"/>
+          <a:stretch>
+            <a:fillRect/>
+          </a:stretch>
+        </p:blipFill>
+        <p:spPr>
+          <a:xfrm>
+            <a:off x="609600" y="3429000"/>
+            <a:ext cx="8207452" cy="2705335"/>
+          </a:xfrm>
+          <a:prstGeom prst="rect">
+            <a:avLst/>
+          </a:prstGeom>
+          <a:solidFill>
+            <a:srgbClr val="FFFFFF">
+              <a:shade val="85000"/>
+            </a:srgbClr>
+          </a:solidFill>
+          <a:ln w="88900" cap="sq">
+            <a:solidFill>
+              <a:srgbClr val="FFFFFF"/>
+            </a:solidFill>
+            <a:miter lim="800000"/>
+          </a:ln>
+          <a:effectLst>
+            <a:outerShdw blurRad="55000" dist="18000" dir="5400000" algn="tl" rotWithShape="0">
+              <a:srgbClr val="000000">
+                <a:alpha val="40000"/>
+              </a:srgbClr>
+            </a:outerShdw>
+          </a:effectLst>
+          <a:scene3d>
+            <a:camera prst="orthographicFront"/>
+            <a:lightRig rig="twoPt" dir="t">
+              <a:rot lat="0" lon="0" rev="7200000"/>
+            </a:lightRig>
+          </a:scene3d>
+          <a:sp3d>
+            <a:bevelT w="25400" h="19050"/>
+            <a:contourClr>
+              <a:srgbClr val="FFFFFF"/>
+            </a:contourClr>
+          </a:sp3d>
+        </p:spPr>
+      </p:pic>
+    </p:spTree>
+  </p:cSld>
+  <p:clrMapOvr>
+    <a:masterClrMapping/>
+  </p:clrMapOvr>
+</p:sld>
+</file>
+
+<file path=ppt/slides/slide7.xml><?xml version="1.0" encoding="utf-8"?>
+<p:sld xmlns:a="http://schemas.openxmlformats.org/drawingml/2006/main" xmlns:r="http://schemas.openxmlformats.org/officeDocument/2006/relationships" xmlns:p="http://schemas.openxmlformats.org/presentationml/2006/main">
+  <p:cSld>
+    <p:spTree>
+      <p:nvGrpSpPr>
+        <p:cNvPr id="1" name=""/>
+        <p:cNvGrpSpPr/>
+        <p:nvPr/>
+      </p:nvGrpSpPr>
+      <p:grpSpPr>
+        <a:xfrm>
+          <a:off x="0" y="0"/>
+          <a:ext cx="0" cy="0"/>
+          <a:chOff x="0" y="0"/>
+          <a:chExt cx="0" cy="0"/>
+        </a:xfrm>
+      </p:grpSpPr>
+      <p:sp>
+        <p:nvSpPr>
+          <p:cNvPr id="2" name="Title 1"/>
+          <p:cNvSpPr>
+            <a:spLocks noGrp="1"/>
+          </p:cNvSpPr>
+          <p:nvPr>
+            <p:ph type="ctrTitle"/>
+          </p:nvPr>
+        </p:nvSpPr>
+        <p:spPr>
+          <a:xfrm>
+            <a:off x="685800" y="457201"/>
+            <a:ext cx="7772400" cy="533399"/>
+          </a:xfrm>
+        </p:spPr>
+        <p:txBody>
+          <a:bodyPr>
+            <a:normAutofit/>
+          </a:bodyPr>
+          <a:lstStyle/>
+          <a:p>
+            <a:r>
+              <a:rPr lang="es-ES" sz="2000" dirty="0" smtClean="0"/>
+              <a:t>Ejercicio </a:t>
+            </a:r>
+            <a:r>
+              <a:rPr lang="es-ES" sz="2000" dirty="0" smtClean="0"/>
+              <a:t>5 </a:t>
+            </a:r>
+            <a:r>
+              <a:rPr lang="es-ES" sz="2000" dirty="0" smtClean="0"/>
+              <a:t>– </a:t>
+            </a:r>
+            <a:r>
+              <a:rPr lang="es-ES" sz="2000" dirty="0" err="1" smtClean="0"/>
+              <a:t>Xarxa</a:t>
+            </a:r>
+            <a:r>
+              <a:rPr lang="es-ES" sz="2000" dirty="0" smtClean="0"/>
+              <a:t> Social</a:t>
+            </a:r>
+            <a:endParaRPr lang="es-ES" sz="2000" dirty="0"/>
+          </a:p>
+        </p:txBody>
+      </p:sp>
+      <p:pic>
+        <p:nvPicPr>
+          <p:cNvPr id="5" name="Picture 4" descr="Aviones.png"/>
+          <p:cNvPicPr>
+            <a:picLocks noChangeAspect="1"/>
+          </p:cNvPicPr>
+          <p:nvPr/>
+        </p:nvPicPr>
+        <p:blipFill>
+          <a:blip r:embed="rId2" cstate="print"/>
+          <a:stretch>
+            <a:fillRect/>
+          </a:stretch>
+        </p:blipFill>
+        <p:spPr>
+          <a:xfrm>
+            <a:off x="457200" y="1258081"/>
+            <a:ext cx="8305800" cy="2170919"/>
+          </a:xfrm>
+          <a:prstGeom prst="rect">
+            <a:avLst/>
+          </a:prstGeom>
+          <a:solidFill>
+            <a:srgbClr val="FFFFFF">
+              <a:shade val="85000"/>
+            </a:srgbClr>
+          </a:solidFill>
+          <a:ln w="88900" cap="sq">
+            <a:solidFill>
+              <a:srgbClr val="FFFFFF"/>
+            </a:solidFill>
+            <a:miter lim="800000"/>
+          </a:ln>
+          <a:effectLst>
+            <a:outerShdw blurRad="55000" dist="18000" dir="5400000" algn="tl" rotWithShape="0">
+              <a:srgbClr val="000000">
+                <a:alpha val="40000"/>
+              </a:srgbClr>
+            </a:outerShdw>
+          </a:effectLst>
+          <a:scene3d>
+            <a:camera prst="orthographicFront"/>
+            <a:lightRig rig="twoPt" dir="t">
+              <a:rot lat="0" lon="0" rev="7200000"/>
+            </a:lightRig>
+          </a:scene3d>
+          <a:sp3d>
+            <a:bevelT w="25400" h="19050"/>
+            <a:contourClr>
+              <a:srgbClr val="FFFFFF"/>
+            </a:contourClr>
+          </a:sp3d>
+        </p:spPr>
+      </p:pic>
+      <p:pic>
+        <p:nvPicPr>
+          <p:cNvPr id="7" name="Picture 6" descr="Aviones.png"/>
+          <p:cNvPicPr>
+            <a:picLocks noChangeAspect="1"/>
+          </p:cNvPicPr>
+          <p:nvPr/>
+        </p:nvPicPr>
+        <p:blipFill>
+          <a:blip r:embed="rId3" cstate="print"/>
+          <a:stretch>
+            <a:fillRect/>
+          </a:stretch>
+        </p:blipFill>
+        <p:spPr>
+          <a:xfrm>
+            <a:off x="457200" y="3962400"/>
+            <a:ext cx="8229600" cy="1486438"/>
+          </a:xfrm>
+          <a:prstGeom prst="rect">
+            <a:avLst/>
+          </a:prstGeom>
+          <a:solidFill>
+            <a:srgbClr val="FFFFFF">
+              <a:shade val="85000"/>
+            </a:srgbClr>
+          </a:solidFill>
+          <a:ln w="88900" cap="sq">
+            <a:solidFill>
+              <a:srgbClr val="FFFFFF"/>
+            </a:solidFill>
+            <a:miter lim="800000"/>
+          </a:ln>
+          <a:effectLst>
+            <a:outerShdw blurRad="55000" dist="18000" dir="5400000" algn="tl" rotWithShape="0">
+              <a:srgbClr val="000000">
+                <a:alpha val="40000"/>
+              </a:srgbClr>
+            </a:outerShdw>
+          </a:effectLst>
+          <a:scene3d>
+            <a:camera prst="orthographicFront"/>
+            <a:lightRig rig="twoPt" dir="t">
+              <a:rot lat="0" lon="0" rev="7200000"/>
+            </a:lightRig>
+          </a:scene3d>
+          <a:sp3d>
+            <a:bevelT w="25400" h="19050"/>
+            <a:contourClr>
+              <a:srgbClr val="FFFFFF"/>
+            </a:contourClr>
+          </a:sp3d>
+        </p:spPr>
+      </p:pic>
+    </p:spTree>
+  </p:cSld>
+  <p:clrMapOvr>
+    <a:masterClrMapping/>
+  </p:clrMapOvr>
+</p:sld>
+</file>
+
+<file path=ppt/slides/slide8.xml><?xml version="1.0" encoding="utf-8"?>
+<p:sld xmlns:a="http://schemas.openxmlformats.org/drawingml/2006/main" xmlns:r="http://schemas.openxmlformats.org/officeDocument/2006/relationships" xmlns:p="http://schemas.openxmlformats.org/presentationml/2006/main">
+  <p:cSld>
+    <p:spTree>
+      <p:nvGrpSpPr>
+        <p:cNvPr id="1" name=""/>
+        <p:cNvGrpSpPr/>
+        <p:nvPr/>
+      </p:nvGrpSpPr>
+      <p:grpSpPr>
+        <a:xfrm>
+          <a:off x="0" y="0"/>
+          <a:ext cx="0" cy="0"/>
+          <a:chOff x="0" y="0"/>
+          <a:chExt cx="0" cy="0"/>
+        </a:xfrm>
+      </p:grpSpPr>
+      <p:sp>
+        <p:nvSpPr>
+          <p:cNvPr id="2" name="Title 1"/>
+          <p:cNvSpPr>
+            <a:spLocks noGrp="1"/>
+          </p:cNvSpPr>
+          <p:nvPr>
+            <p:ph type="ctrTitle"/>
+          </p:nvPr>
+        </p:nvSpPr>
+        <p:spPr>
+          <a:xfrm>
+            <a:off x="685800" y="457201"/>
+            <a:ext cx="7772400" cy="533399"/>
+          </a:xfrm>
+        </p:spPr>
+        <p:txBody>
+          <a:bodyPr>
+            <a:normAutofit/>
+          </a:bodyPr>
+          <a:lstStyle/>
+          <a:p>
+            <a:r>
+              <a:rPr lang="es-ES" sz="2000" dirty="0" smtClean="0"/>
+              <a:t>Ejercicio </a:t>
+            </a:r>
+            <a:r>
+              <a:rPr lang="es-ES" sz="2000" dirty="0" smtClean="0"/>
+              <a:t>5 </a:t>
+            </a:r>
+            <a:r>
+              <a:rPr lang="es-ES" sz="2000" dirty="0" smtClean="0"/>
+              <a:t>– </a:t>
+            </a:r>
+            <a:r>
+              <a:rPr lang="es-ES" sz="2000" dirty="0" err="1" smtClean="0"/>
+              <a:t>Xarxa</a:t>
+            </a:r>
+            <a:r>
+              <a:rPr lang="es-ES" sz="2000" dirty="0" smtClean="0"/>
+              <a:t> Social</a:t>
+            </a:r>
+            <a:endParaRPr lang="es-ES" sz="2000" dirty="0"/>
+          </a:p>
+        </p:txBody>
+      </p:sp>
+      <p:pic>
+        <p:nvPicPr>
+          <p:cNvPr id="6" name="Picture 5" descr="Aviones.png"/>
+          <p:cNvPicPr>
+            <a:picLocks noChangeAspect="1"/>
+          </p:cNvPicPr>
+          <p:nvPr/>
+        </p:nvPicPr>
+        <p:blipFill>
+          <a:blip r:embed="rId2" cstate="print"/>
+          <a:stretch>
+            <a:fillRect/>
+          </a:stretch>
+        </p:blipFill>
+        <p:spPr>
+          <a:xfrm>
+            <a:off x="609600" y="1600200"/>
+            <a:ext cx="7818798" cy="1531753"/>
+          </a:xfrm>
+          <a:prstGeom prst="rect">
+            <a:avLst/>
+          </a:prstGeom>
+          <a:solidFill>
+            <a:srgbClr val="FFFFFF">
+              <a:shade val="85000"/>
+            </a:srgbClr>
+          </a:solidFill>
+          <a:ln w="88900" cap="sq">
+            <a:solidFill>
+              <a:srgbClr val="FFFFFF"/>
+            </a:solidFill>
+            <a:miter lim="800000"/>
+          </a:ln>
+          <a:effectLst>
+            <a:outerShdw blurRad="55000" dist="18000" dir="5400000" algn="tl" rotWithShape="0">
+              <a:srgbClr val="000000">
+                <a:alpha val="40000"/>
+              </a:srgbClr>
+            </a:outerShdw>
+          </a:effectLst>
+          <a:scene3d>
+            <a:camera prst="orthographicFront"/>
+            <a:lightRig rig="twoPt" dir="t">
+              <a:rot lat="0" lon="0" rev="7200000"/>
+            </a:lightRig>
+          </a:scene3d>
+          <a:sp3d>
+            <a:bevelT w="25400" h="19050"/>
+            <a:contourClr>
+              <a:srgbClr val="FFFFFF"/>
+            </a:contourClr>
+          </a:sp3d>
+        </p:spPr>
+      </p:pic>
+      <p:pic>
+        <p:nvPicPr>
+          <p:cNvPr id="8" name="Picture 7" descr="Aviones.png"/>
+          <p:cNvPicPr>
+            <a:picLocks noChangeAspect="1"/>
+          </p:cNvPicPr>
+          <p:nvPr/>
+        </p:nvPicPr>
+        <p:blipFill>
+          <a:blip r:embed="rId3" cstate="print"/>
+          <a:stretch>
+            <a:fillRect/>
+          </a:stretch>
+        </p:blipFill>
+        <p:spPr>
+          <a:xfrm>
+            <a:off x="685800" y="3581400"/>
+            <a:ext cx="7719729" cy="1981372"/>
           </a:xfrm>
           <a:prstGeom prst="rect">
             <a:avLst/>

--- a/Screenshots.pptx
+++ b/Screenshots.pptx
@@ -13,6 +13,7 @@
     <p:sldId id="261" r:id="rId7"/>
     <p:sldId id="262" r:id="rId8"/>
     <p:sldId id="263" r:id="rId9"/>
+    <p:sldId id="264" r:id="rId10"/>
   </p:sldIdLst>
   <p:sldSz cx="9144000" cy="6858000" type="screen4x3"/>
   <p:notesSz cx="6858000" cy="9144000"/>
@@ -4525,6 +4526,139 @@
           <a:xfrm>
             <a:off x="685800" y="3581400"/>
             <a:ext cx="7719729" cy="1981372"/>
+          </a:xfrm>
+          <a:prstGeom prst="rect">
+            <a:avLst/>
+          </a:prstGeom>
+          <a:solidFill>
+            <a:srgbClr val="FFFFFF">
+              <a:shade val="85000"/>
+            </a:srgbClr>
+          </a:solidFill>
+          <a:ln w="88900" cap="sq">
+            <a:solidFill>
+              <a:srgbClr val="FFFFFF"/>
+            </a:solidFill>
+            <a:miter lim="800000"/>
+          </a:ln>
+          <a:effectLst>
+            <a:outerShdw blurRad="55000" dist="18000" dir="5400000" algn="tl" rotWithShape="0">
+              <a:srgbClr val="000000">
+                <a:alpha val="40000"/>
+              </a:srgbClr>
+            </a:outerShdw>
+          </a:effectLst>
+          <a:scene3d>
+            <a:camera prst="orthographicFront"/>
+            <a:lightRig rig="twoPt" dir="t">
+              <a:rot lat="0" lon="0" rev="7200000"/>
+            </a:lightRig>
+          </a:scene3d>
+          <a:sp3d>
+            <a:bevelT w="25400" h="19050"/>
+            <a:contourClr>
+              <a:srgbClr val="FFFFFF"/>
+            </a:contourClr>
+          </a:sp3d>
+        </p:spPr>
+      </p:pic>
+    </p:spTree>
+  </p:cSld>
+  <p:clrMapOvr>
+    <a:masterClrMapping/>
+  </p:clrMapOvr>
+</p:sld>
+</file>
+
+<file path=ppt/slides/slide9.xml><?xml version="1.0" encoding="utf-8"?>
+<p:sld xmlns:a="http://schemas.openxmlformats.org/drawingml/2006/main" xmlns:r="http://schemas.openxmlformats.org/officeDocument/2006/relationships" xmlns:p="http://schemas.openxmlformats.org/presentationml/2006/main">
+  <p:cSld>
+    <p:spTree>
+      <p:nvGrpSpPr>
+        <p:cNvPr id="1" name=""/>
+        <p:cNvGrpSpPr/>
+        <p:nvPr/>
+      </p:nvGrpSpPr>
+      <p:grpSpPr>
+        <a:xfrm>
+          <a:off x="0" y="0"/>
+          <a:ext cx="0" cy="0"/>
+          <a:chOff x="0" y="0"/>
+          <a:chExt cx="0" cy="0"/>
+        </a:xfrm>
+      </p:grpSpPr>
+      <p:sp>
+        <p:nvSpPr>
+          <p:cNvPr id="2" name="Title 1"/>
+          <p:cNvSpPr>
+            <a:spLocks noGrp="1"/>
+          </p:cNvSpPr>
+          <p:nvPr>
+            <p:ph type="ctrTitle"/>
+          </p:nvPr>
+        </p:nvSpPr>
+        <p:spPr>
+          <a:xfrm>
+            <a:off x="685800" y="457201"/>
+            <a:ext cx="7772400" cy="533399"/>
+          </a:xfrm>
+        </p:spPr>
+        <p:txBody>
+          <a:bodyPr>
+            <a:normAutofit/>
+          </a:bodyPr>
+          <a:lstStyle/>
+          <a:p>
+            <a:r>
+              <a:rPr lang="es-ES" sz="2000" dirty="0" smtClean="0"/>
+              <a:t>Ejercicio </a:t>
+            </a:r>
+            <a:r>
+              <a:rPr lang="es-ES" sz="2000" dirty="0" smtClean="0"/>
+              <a:t>6</a:t>
+            </a:r>
+            <a:r>
+              <a:rPr lang="es-ES" sz="2000" dirty="0" smtClean="0"/>
+              <a:t> </a:t>
+            </a:r>
+            <a:r>
+              <a:rPr lang="es-ES" sz="2000" dirty="0" smtClean="0"/>
+              <a:t>– </a:t>
+            </a:r>
+            <a:r>
+              <a:rPr lang="es-ES" sz="2000" dirty="0" err="1" smtClean="0"/>
+              <a:t>Cull</a:t>
+            </a:r>
+            <a:r>
+              <a:rPr lang="es-ES" sz="2000" dirty="0" smtClean="0"/>
+              <a:t> </a:t>
+            </a:r>
+            <a:r>
+              <a:rPr lang="es-ES" sz="2000" dirty="0" err="1" smtClean="0"/>
+              <a:t>d’ampolla</a:t>
+            </a:r>
+            <a:endParaRPr lang="es-ES" sz="2000" dirty="0"/>
+          </a:p>
+        </p:txBody>
+      </p:sp>
+      <p:pic>
+        <p:nvPicPr>
+          <p:cNvPr id="5" name="Picture 4" descr="Aviones.png"/>
+          <p:cNvPicPr>
+            <a:picLocks noChangeAspect="1"/>
+          </p:cNvPicPr>
+          <p:nvPr/>
+        </p:nvPicPr>
+        <p:blipFill>
+          <a:blip r:embed="rId2" cstate="print"/>
+          <a:stretch>
+            <a:fillRect/>
+          </a:stretch>
+        </p:blipFill>
+        <p:spPr>
+          <a:xfrm>
+            <a:off x="228600" y="1295401"/>
+            <a:ext cx="8632791" cy="4419600"/>
           </a:xfrm>
           <a:prstGeom prst="rect">
             <a:avLst/>

--- a/Screenshots.pptx
+++ b/Screenshots.pptx
@@ -4643,7 +4643,7 @@
       </p:sp>
       <p:pic>
         <p:nvPicPr>
-          <p:cNvPr id="5" name="Picture 4" descr="Aviones.png"/>
+          <p:cNvPr id="7" name="Picture 6" descr="Aviones.png"/>
           <p:cNvPicPr>
             <a:picLocks noChangeAspect="1"/>
           </p:cNvPicPr>
@@ -4657,42 +4657,12 @@
         </p:blipFill>
         <p:spPr>
           <a:xfrm>
-            <a:off x="228600" y="1295401"/>
-            <a:ext cx="8632791" cy="4419600"/>
+            <a:off x="152400" y="1240412"/>
+            <a:ext cx="8839200" cy="5034747"/>
           </a:xfrm>
           <a:prstGeom prst="rect">
             <a:avLst/>
           </a:prstGeom>
-          <a:solidFill>
-            <a:srgbClr val="FFFFFF">
-              <a:shade val="85000"/>
-            </a:srgbClr>
-          </a:solidFill>
-          <a:ln w="88900" cap="sq">
-            <a:solidFill>
-              <a:srgbClr val="FFFFFF"/>
-            </a:solidFill>
-            <a:miter lim="800000"/>
-          </a:ln>
-          <a:effectLst>
-            <a:outerShdw blurRad="55000" dist="18000" dir="5400000" algn="tl" rotWithShape="0">
-              <a:srgbClr val="000000">
-                <a:alpha val="40000"/>
-              </a:srgbClr>
-            </a:outerShdw>
-          </a:effectLst>
-          <a:scene3d>
-            <a:camera prst="orthographicFront"/>
-            <a:lightRig rig="twoPt" dir="t">
-              <a:rot lat="0" lon="0" rev="7200000"/>
-            </a:lightRig>
-          </a:scene3d>
-          <a:sp3d>
-            <a:bevelT w="25400" h="19050"/>
-            <a:contourClr>
-              <a:srgbClr val="FFFFFF"/>
-            </a:contourClr>
-          </a:sp3d>
         </p:spPr>
       </p:pic>
     </p:spTree>
